--- a/Steve Power point.pptx
+++ b/Steve Power point.pptx
@@ -8,6 +8,7 @@
     <p:sldId id="256" r:id="rId2"/>
     <p:sldId id="257" r:id="rId3"/>
     <p:sldId id="258" r:id="rId4"/>
+    <p:sldId id="259" r:id="rId5"/>
   </p:sldIdLst>
   <p:sldSz cx="12192000" cy="6858000"/>
   <p:notesSz cx="6858000" cy="9144000"/>
@@ -106,7 +107,33 @@
       </a:defRPr>
     </a:lvl9pPr>
   </p:defaultTextStyle>
+  <p:extLst>
+    <p:ext uri="{EFAFB233-063F-42B5-8137-9DF3F51BA10A}">
+      <p15:sldGuideLst xmlns:p15="http://schemas.microsoft.com/office/powerpoint/2012/main"/>
+    </p:ext>
+  </p:extLst>
 </p:presentation>
+</file>
+
+<file path=ppt/changesInfos/changesInfo1.xml><?xml version="1.0" encoding="utf-8"?>
+<pc:chgInfo xmlns:a="http://schemas.openxmlformats.org/drawingml/2006/main" xmlns:r="http://schemas.openxmlformats.org/officeDocument/2006/relationships" xmlns:ac="http://schemas.microsoft.com/office/drawing/2013/main/command" xmlns:pc="http://schemas.microsoft.com/office/powerpoint/2013/main/command">
+  <pc:docChgLst>
+    <pc:chgData name="steve ramasamy" userId="2d686a4383bfdb7c" providerId="LiveId" clId="{90DF7CBA-3A87-4193-A4C1-F0B5137D7613}"/>
+    <pc:docChg chg="addSld">
+      <pc:chgData name="steve ramasamy" userId="2d686a4383bfdb7c" providerId="LiveId" clId="{90DF7CBA-3A87-4193-A4C1-F0B5137D7613}" dt="2023-09-05T12:16:59.689" v="0" actId="680"/>
+      <pc:docMkLst>
+        <pc:docMk/>
+      </pc:docMkLst>
+      <pc:sldChg chg="new">
+        <pc:chgData name="steve ramasamy" userId="2d686a4383bfdb7c" providerId="LiveId" clId="{90DF7CBA-3A87-4193-A4C1-F0B5137D7613}" dt="2023-09-05T12:16:59.689" v="0" actId="680"/>
+        <pc:sldMkLst>
+          <pc:docMk/>
+          <pc:sldMk cId="3211184601" sldId="259"/>
+        </pc:sldMkLst>
+      </pc:sldChg>
+    </pc:docChg>
+  </pc:docChgLst>
+</pc:chgInfo>
 </file>
 
 <file path=ppt/slideLayouts/slideLayout1.xml><?xml version="1.0" encoding="utf-8"?>
@@ -4164,6 +4191,86 @@
 </p:sld>
 </file>
 
+<file path=ppt/slides/slide4.xml><?xml version="1.0" encoding="utf-8"?>
+<p:sld xmlns:a="http://schemas.openxmlformats.org/drawingml/2006/main" xmlns:r="http://schemas.openxmlformats.org/officeDocument/2006/relationships" xmlns:p="http://schemas.openxmlformats.org/presentationml/2006/main">
+  <p:cSld>
+    <p:spTree>
+      <p:nvGrpSpPr>
+        <p:cNvPr id="1" name=""/>
+        <p:cNvGrpSpPr/>
+        <p:nvPr/>
+      </p:nvGrpSpPr>
+      <p:grpSpPr>
+        <a:xfrm>
+          <a:off x="0" y="0"/>
+          <a:ext cx="0" cy="0"/>
+          <a:chOff x="0" y="0"/>
+          <a:chExt cx="0" cy="0"/>
+        </a:xfrm>
+      </p:grpSpPr>
+      <p:sp>
+        <p:nvSpPr>
+          <p:cNvPr id="2" name="Title 1">
+            <a:extLst>
+              <a:ext uri="{FF2B5EF4-FFF2-40B4-BE49-F238E27FC236}">
+                <a16:creationId xmlns:a16="http://schemas.microsoft.com/office/drawing/2014/main" id="{BD8D35AC-2C8D-1DC7-87E4-E0B3685F27F8}"/>
+              </a:ext>
+            </a:extLst>
+          </p:cNvPr>
+          <p:cNvSpPr>
+            <a:spLocks noGrp="1"/>
+          </p:cNvSpPr>
+          <p:nvPr>
+            <p:ph type="title"/>
+          </p:nvPr>
+        </p:nvSpPr>
+        <p:spPr/>
+        <p:txBody>
+          <a:bodyPr/>
+          <a:lstStyle/>
+          <a:p>
+            <a:endParaRPr lang="en-AU"/>
+          </a:p>
+        </p:txBody>
+      </p:sp>
+      <p:sp>
+        <p:nvSpPr>
+          <p:cNvPr id="3" name="Content Placeholder 2">
+            <a:extLst>
+              <a:ext uri="{FF2B5EF4-FFF2-40B4-BE49-F238E27FC236}">
+                <a16:creationId xmlns:a16="http://schemas.microsoft.com/office/drawing/2014/main" id="{AB8C8F3C-D042-E189-0F70-752D0D8CBED6}"/>
+              </a:ext>
+            </a:extLst>
+          </p:cNvPr>
+          <p:cNvSpPr>
+            <a:spLocks noGrp="1"/>
+          </p:cNvSpPr>
+          <p:nvPr>
+            <p:ph idx="1"/>
+          </p:nvPr>
+        </p:nvSpPr>
+        <p:spPr/>
+        <p:txBody>
+          <a:bodyPr/>
+          <a:lstStyle/>
+          <a:p>
+            <a:endParaRPr lang="en-AU"/>
+          </a:p>
+        </p:txBody>
+      </p:sp>
+    </p:spTree>
+    <p:extLst>
+      <p:ext uri="{BB962C8B-B14F-4D97-AF65-F5344CB8AC3E}">
+        <p14:creationId xmlns:p14="http://schemas.microsoft.com/office/powerpoint/2010/main" val="3211184601"/>
+      </p:ext>
+    </p:extLst>
+  </p:cSld>
+  <p:clrMapOvr>
+    <a:masterClrMapping/>
+  </p:clrMapOvr>
+</p:sld>
+</file>
+
 <file path=ppt/theme/theme1.xml><?xml version="1.0" encoding="utf-8"?>
 <a:theme xmlns:a="http://schemas.openxmlformats.org/drawingml/2006/main" name="Office Theme">
   <a:themeElements>
